--- a/ta5/Defenza 03.pptx
+++ b/ta5/Defenza 03.pptx
@@ -5,7 +5,7 @@
     <p:sldMasterId id="2147483648" r:id="rId1"/>
   </p:sldMasterIdLst>
   <p:notesMasterIdLst>
-    <p:notesMasterId r:id="rId14"/>
+    <p:notesMasterId r:id="rId17"/>
   </p:notesMasterIdLst>
   <p:sldIdLst>
     <p:sldId id="256" r:id="rId2"/>
@@ -13,13 +13,16 @@
     <p:sldId id="259" r:id="rId4"/>
     <p:sldId id="258" r:id="rId5"/>
     <p:sldId id="260" r:id="rId6"/>
-    <p:sldId id="261" r:id="rId7"/>
-    <p:sldId id="262" r:id="rId8"/>
-    <p:sldId id="263" r:id="rId9"/>
-    <p:sldId id="264" r:id="rId10"/>
-    <p:sldId id="265" r:id="rId11"/>
-    <p:sldId id="267" r:id="rId12"/>
-    <p:sldId id="266" r:id="rId13"/>
+    <p:sldId id="268" r:id="rId7"/>
+    <p:sldId id="270" r:id="rId8"/>
+    <p:sldId id="269" r:id="rId9"/>
+    <p:sldId id="261" r:id="rId10"/>
+    <p:sldId id="262" r:id="rId11"/>
+    <p:sldId id="263" r:id="rId12"/>
+    <p:sldId id="264" r:id="rId13"/>
+    <p:sldId id="265" r:id="rId14"/>
+    <p:sldId id="267" r:id="rId15"/>
+    <p:sldId id="266" r:id="rId16"/>
   </p:sldIdLst>
   <p:sldSz cx="12192000" cy="6858000"/>
   <p:notesSz cx="6858000" cy="9144000"/>
@@ -130,7 +133,7 @@
 <p1510:revInfo xmlns:a="http://schemas.openxmlformats.org/drawingml/2006/main" xmlns:r="http://schemas.openxmlformats.org/officeDocument/2006/relationships" xmlns:p1510="http://schemas.microsoft.com/office/powerpoint/2015/10/main">
   <p1510:revLst>
     <p1510:client id="{3AB68099-C4D0-4DB1-B389-15749E438568}" v="50" dt="2024-11-29T19:36:46.434"/>
-    <p1510:client id="{C3903A21-5750-4AC5-B827-88FBAA8DAF17}" v="18" dt="2024-11-30T05:24:29.023"/>
+    <p1510:client id="{C3903A21-5750-4AC5-B827-88FBAA8DAF17}" v="19" dt="2024-11-30T19:02:52.408"/>
   </p1510:revLst>
 </p1510:revInfo>
 </file>
@@ -585,7 +588,7 @@
   <pc:docChgLst>
     <pc:chgData name="HERNANDEZ ORTIZ JOSE ALFREDO" userId="6190f617-08f2-4ebb-a74d-41f293cab510" providerId="ADAL" clId="{C3903A21-5750-4AC5-B827-88FBAA8DAF17}"/>
     <pc:docChg chg="undo custSel addSld modSld">
-      <pc:chgData name="HERNANDEZ ORTIZ JOSE ALFREDO" userId="6190f617-08f2-4ebb-a74d-41f293cab510" providerId="ADAL" clId="{C3903A21-5750-4AC5-B827-88FBAA8DAF17}" dt="2024-11-30T06:13:24.764" v="837" actId="20577"/>
+      <pc:chgData name="HERNANDEZ ORTIZ JOSE ALFREDO" userId="6190f617-08f2-4ebb-a74d-41f293cab510" providerId="ADAL" clId="{C3903A21-5750-4AC5-B827-88FBAA8DAF17}" dt="2024-11-30T19:17:33.649" v="936" actId="1076"/>
       <pc:docMkLst>
         <pc:docMk/>
       </pc:docMkLst>
@@ -834,6 +837,163 @@
           </ac:spMkLst>
         </pc:spChg>
       </pc:sldChg>
+      <pc:sldChg chg="addSp delSp modSp add mod">
+        <pc:chgData name="HERNANDEZ ORTIZ JOSE ALFREDO" userId="6190f617-08f2-4ebb-a74d-41f293cab510" providerId="ADAL" clId="{C3903A21-5750-4AC5-B827-88FBAA8DAF17}" dt="2024-11-30T19:17:33.649" v="936" actId="1076"/>
+        <pc:sldMkLst>
+          <pc:docMk/>
+          <pc:sldMk cId="1348524638" sldId="268"/>
+        </pc:sldMkLst>
+        <pc:spChg chg="del">
+          <ac:chgData name="HERNANDEZ ORTIZ JOSE ALFREDO" userId="6190f617-08f2-4ebb-a74d-41f293cab510" providerId="ADAL" clId="{C3903A21-5750-4AC5-B827-88FBAA8DAF17}" dt="2024-11-30T19:02:27.325" v="839" actId="478"/>
+          <ac:spMkLst>
+            <pc:docMk/>
+            <pc:sldMk cId="1348524638" sldId="268"/>
+            <ac:spMk id="2" creationId="{FE7EA8D9-39C7-3BE5-D79C-9C28729ECA74}"/>
+          </ac:spMkLst>
+        </pc:spChg>
+        <pc:spChg chg="del">
+          <ac:chgData name="HERNANDEZ ORTIZ JOSE ALFREDO" userId="6190f617-08f2-4ebb-a74d-41f293cab510" providerId="ADAL" clId="{C3903A21-5750-4AC5-B827-88FBAA8DAF17}" dt="2024-11-30T19:02:30.338" v="841" actId="478"/>
+          <ac:spMkLst>
+            <pc:docMk/>
+            <pc:sldMk cId="1348524638" sldId="268"/>
+            <ac:spMk id="4" creationId="{91AF71D5-1EE7-2A04-1010-C709C68FFBD7}"/>
+          </ac:spMkLst>
+        </pc:spChg>
+        <pc:spChg chg="add del mod">
+          <ac:chgData name="HERNANDEZ ORTIZ JOSE ALFREDO" userId="6190f617-08f2-4ebb-a74d-41f293cab510" providerId="ADAL" clId="{C3903A21-5750-4AC5-B827-88FBAA8DAF17}" dt="2024-11-30T19:02:29.453" v="840" actId="478"/>
+          <ac:spMkLst>
+            <pc:docMk/>
+            <pc:sldMk cId="1348524638" sldId="268"/>
+            <ac:spMk id="5" creationId="{2202A9FB-7F59-E9C8-DF5F-6847399DE2C8}"/>
+          </ac:spMkLst>
+        </pc:spChg>
+        <pc:spChg chg="mod">
+          <ac:chgData name="HERNANDEZ ORTIZ JOSE ALFREDO" userId="6190f617-08f2-4ebb-a74d-41f293cab510" providerId="ADAL" clId="{C3903A21-5750-4AC5-B827-88FBAA8DAF17}" dt="2024-11-30T19:03:23.237" v="901" actId="20577"/>
+          <ac:spMkLst>
+            <pc:docMk/>
+            <pc:sldMk cId="1348524638" sldId="268"/>
+            <ac:spMk id="6" creationId="{0F06C57E-5DA5-DD12-F9BF-AD749ABBD835}"/>
+          </ac:spMkLst>
+        </pc:spChg>
+        <pc:spChg chg="add del mod">
+          <ac:chgData name="HERNANDEZ ORTIZ JOSE ALFREDO" userId="6190f617-08f2-4ebb-a74d-41f293cab510" providerId="ADAL" clId="{C3903A21-5750-4AC5-B827-88FBAA8DAF17}" dt="2024-11-30T19:02:31.810" v="842" actId="478"/>
+          <ac:spMkLst>
+            <pc:docMk/>
+            <pc:sldMk cId="1348524638" sldId="268"/>
+            <ac:spMk id="8" creationId="{9A3A7C0C-F2D0-8676-0039-878FAAACC661}"/>
+          </ac:spMkLst>
+        </pc:spChg>
+        <pc:spChg chg="add del mod">
+          <ac:chgData name="HERNANDEZ ORTIZ JOSE ALFREDO" userId="6190f617-08f2-4ebb-a74d-41f293cab510" providerId="ADAL" clId="{C3903A21-5750-4AC5-B827-88FBAA8DAF17}" dt="2024-11-30T19:02:43.935" v="846" actId="22"/>
+          <ac:spMkLst>
+            <pc:docMk/>
+            <pc:sldMk cId="1348524638" sldId="268"/>
+            <ac:spMk id="12" creationId="{7CDDD3F6-3C71-C0AB-9755-5027539884D9}"/>
+          </ac:spMkLst>
+        </pc:spChg>
+        <pc:spChg chg="add del mod">
+          <ac:chgData name="HERNANDEZ ORTIZ JOSE ALFREDO" userId="6190f617-08f2-4ebb-a74d-41f293cab510" providerId="ADAL" clId="{C3903A21-5750-4AC5-B827-88FBAA8DAF17}" dt="2024-11-30T19:02:40.971" v="845" actId="478"/>
+          <ac:spMkLst>
+            <pc:docMk/>
+            <pc:sldMk cId="1348524638" sldId="268"/>
+            <ac:spMk id="14" creationId="{9CB04EE5-796A-ABE7-90C4-DC33BACFEC16}"/>
+          </ac:spMkLst>
+        </pc:spChg>
+        <pc:spChg chg="add del mod">
+          <ac:chgData name="HERNANDEZ ORTIZ JOSE ALFREDO" userId="6190f617-08f2-4ebb-a74d-41f293cab510" providerId="ADAL" clId="{C3903A21-5750-4AC5-B827-88FBAA8DAF17}" dt="2024-11-30T19:16:05.122" v="932" actId="478"/>
+          <ac:spMkLst>
+            <pc:docMk/>
+            <pc:sldMk cId="1348524638" sldId="268"/>
+            <ac:spMk id="18" creationId="{1BFC72B8-0A85-4DD0-D0D3-60EC71350652}"/>
+          </ac:spMkLst>
+        </pc:spChg>
+        <pc:graphicFrameChg chg="del">
+          <ac:chgData name="HERNANDEZ ORTIZ JOSE ALFREDO" userId="6190f617-08f2-4ebb-a74d-41f293cab510" providerId="ADAL" clId="{C3903A21-5750-4AC5-B827-88FBAA8DAF17}" dt="2024-11-30T19:02:38.803" v="844" actId="478"/>
+          <ac:graphicFrameMkLst>
+            <pc:docMk/>
+            <pc:sldMk cId="1348524638" sldId="268"/>
+            <ac:graphicFrameMk id="9" creationId="{9162B3A6-5860-6C80-75FF-3F032AFD1963}"/>
+          </ac:graphicFrameMkLst>
+        </pc:graphicFrameChg>
+        <pc:graphicFrameChg chg="del">
+          <ac:chgData name="HERNANDEZ ORTIZ JOSE ALFREDO" userId="6190f617-08f2-4ebb-a74d-41f293cab510" providerId="ADAL" clId="{C3903A21-5750-4AC5-B827-88FBAA8DAF17}" dt="2024-11-30T19:02:34.809" v="843" actId="478"/>
+          <ac:graphicFrameMkLst>
+            <pc:docMk/>
+            <pc:sldMk cId="1348524638" sldId="268"/>
+            <ac:graphicFrameMk id="11" creationId="{76361C6F-4CD9-B3DC-C3EB-2EF28F08A938}"/>
+          </ac:graphicFrameMkLst>
+        </pc:graphicFrameChg>
+        <pc:picChg chg="add mod">
+          <ac:chgData name="HERNANDEZ ORTIZ JOSE ALFREDO" userId="6190f617-08f2-4ebb-a74d-41f293cab510" providerId="ADAL" clId="{C3903A21-5750-4AC5-B827-88FBAA8DAF17}" dt="2024-11-30T19:17:33.649" v="936" actId="1076"/>
+          <ac:picMkLst>
+            <pc:docMk/>
+            <pc:sldMk cId="1348524638" sldId="268"/>
+            <ac:picMk id="3" creationId="{75B21348-11CE-7E38-4E0A-6AE3C7056B8B}"/>
+          </ac:picMkLst>
+        </pc:picChg>
+        <pc:picChg chg="add del mod ord">
+          <ac:chgData name="HERNANDEZ ORTIZ JOSE ALFREDO" userId="6190f617-08f2-4ebb-a74d-41f293cab510" providerId="ADAL" clId="{C3903A21-5750-4AC5-B827-88FBAA8DAF17}" dt="2024-11-30T19:08:28.551" v="931" actId="478"/>
+          <ac:picMkLst>
+            <pc:docMk/>
+            <pc:sldMk cId="1348524638" sldId="268"/>
+            <ac:picMk id="16" creationId="{67E10A1E-C194-0BC6-9E6D-C404C38F4277}"/>
+          </ac:picMkLst>
+        </pc:picChg>
+        <pc:picChg chg="del">
+          <ac:chgData name="HERNANDEZ ORTIZ JOSE ALFREDO" userId="6190f617-08f2-4ebb-a74d-41f293cab510" providerId="ADAL" clId="{C3903A21-5750-4AC5-B827-88FBAA8DAF17}" dt="2024-11-30T19:02:52.408" v="848" actId="478"/>
+          <ac:picMkLst>
+            <pc:docMk/>
+            <pc:sldMk cId="1348524638" sldId="268"/>
+            <ac:picMk id="1026" creationId="{D717D204-346A-6B5B-5D14-81266F0EB0BE}"/>
+          </ac:picMkLst>
+        </pc:picChg>
+      </pc:sldChg>
+      <pc:sldChg chg="addSp delSp modSp add mod">
+        <pc:chgData name="HERNANDEZ ORTIZ JOSE ALFREDO" userId="6190f617-08f2-4ebb-a74d-41f293cab510" providerId="ADAL" clId="{C3903A21-5750-4AC5-B827-88FBAA8DAF17}" dt="2024-11-30T19:07:22.323" v="929" actId="20577"/>
+        <pc:sldMkLst>
+          <pc:docMk/>
+          <pc:sldMk cId="1442695592" sldId="269"/>
+        </pc:sldMkLst>
+        <pc:spChg chg="add del mod">
+          <ac:chgData name="HERNANDEZ ORTIZ JOSE ALFREDO" userId="6190f617-08f2-4ebb-a74d-41f293cab510" providerId="ADAL" clId="{C3903A21-5750-4AC5-B827-88FBAA8DAF17}" dt="2024-11-30T19:07:00.092" v="905" actId="478"/>
+          <ac:spMkLst>
+            <pc:docMk/>
+            <pc:sldMk cId="1442695592" sldId="269"/>
+            <ac:spMk id="3" creationId="{2BC58AED-86FC-885F-1541-0406C8AF623D}"/>
+          </ac:spMkLst>
+        </pc:spChg>
+        <pc:spChg chg="mod">
+          <ac:chgData name="HERNANDEZ ORTIZ JOSE ALFREDO" userId="6190f617-08f2-4ebb-a74d-41f293cab510" providerId="ADAL" clId="{C3903A21-5750-4AC5-B827-88FBAA8DAF17}" dt="2024-11-30T19:07:22.323" v="929" actId="20577"/>
+          <ac:spMkLst>
+            <pc:docMk/>
+            <pc:sldMk cId="1442695592" sldId="269"/>
+            <ac:spMk id="6" creationId="{BC3F95B8-72E6-D1D3-4A49-015A978EA2E3}"/>
+          </ac:spMkLst>
+        </pc:spChg>
+        <pc:picChg chg="add mod">
+          <ac:chgData name="HERNANDEZ ORTIZ JOSE ALFREDO" userId="6190f617-08f2-4ebb-a74d-41f293cab510" providerId="ADAL" clId="{C3903A21-5750-4AC5-B827-88FBAA8DAF17}" dt="2024-11-30T19:07:08.756" v="908" actId="1076"/>
+          <ac:picMkLst>
+            <pc:docMk/>
+            <pc:sldMk cId="1442695592" sldId="269"/>
+            <ac:picMk id="5" creationId="{0C6056EE-E622-8833-FCC2-F8BC6EF372E2}"/>
+          </ac:picMkLst>
+        </pc:picChg>
+        <pc:picChg chg="del">
+          <ac:chgData name="HERNANDEZ ORTIZ JOSE ALFREDO" userId="6190f617-08f2-4ebb-a74d-41f293cab510" providerId="ADAL" clId="{C3903A21-5750-4AC5-B827-88FBAA8DAF17}" dt="2024-11-30T19:06:53.573" v="903" actId="478"/>
+          <ac:picMkLst>
+            <pc:docMk/>
+            <pc:sldMk cId="1442695592" sldId="269"/>
+            <ac:picMk id="16" creationId="{D9073A98-C363-3E1C-4CAE-3E32D5A6E102}"/>
+          </ac:picMkLst>
+        </pc:picChg>
+      </pc:sldChg>
+      <pc:sldChg chg="add">
+        <pc:chgData name="HERNANDEZ ORTIZ JOSE ALFREDO" userId="6190f617-08f2-4ebb-a74d-41f293cab510" providerId="ADAL" clId="{C3903A21-5750-4AC5-B827-88FBAA8DAF17}" dt="2024-11-30T19:08:25.340" v="930" actId="2890"/>
+        <pc:sldMkLst>
+          <pc:docMk/>
+          <pc:sldMk cId="153741426" sldId="270"/>
+        </pc:sldMkLst>
+      </pc:sldChg>
     </pc:docChg>
   </pc:docChgLst>
 </pc:chgInfo>
@@ -921,7 +1081,7 @@
           <a:p>
             <a:fld id="{DD6160E6-041A-49A5-B3F1-4ED3FD019311}" type="datetimeFigureOut">
               <a:rPr lang="es-SV" smtClean="0"/>
-              <a:t>29/11/2024</a:t>
+              <a:t>30/11/2024</a:t>
             </a:fld>
             <a:endParaRPr lang="es-SV"/>
           </a:p>
@@ -1422,7 +1582,7 @@
           <a:p>
             <a:fld id="{CCA36306-B6FB-4CE0-A609-51C125C56BE3}" type="datetimeFigureOut">
               <a:rPr lang="es-SV" smtClean="0"/>
-              <a:t>29/11/2024</a:t>
+              <a:t>30/11/2024</a:t>
             </a:fld>
             <a:endParaRPr lang="es-SV"/>
           </a:p>
@@ -1634,7 +1794,7 @@
           <a:p>
             <a:fld id="{CCA36306-B6FB-4CE0-A609-51C125C56BE3}" type="datetimeFigureOut">
               <a:rPr lang="es-SV" smtClean="0"/>
-              <a:t>29/11/2024</a:t>
+              <a:t>30/11/2024</a:t>
             </a:fld>
             <a:endParaRPr lang="es-SV"/>
           </a:p>
@@ -1856,7 +2016,7 @@
           <a:p>
             <a:fld id="{CCA36306-B6FB-4CE0-A609-51C125C56BE3}" type="datetimeFigureOut">
               <a:rPr lang="es-SV" smtClean="0"/>
-              <a:t>29/11/2024</a:t>
+              <a:t>30/11/2024</a:t>
             </a:fld>
             <a:endParaRPr lang="es-SV"/>
           </a:p>
@@ -2340,7 +2500,7 @@
           <a:p>
             <a:fld id="{CCA36306-B6FB-4CE0-A609-51C125C56BE3}" type="datetimeFigureOut">
               <a:rPr lang="es-SV" smtClean="0"/>
-              <a:t>29/11/2024</a:t>
+              <a:t>30/11/2024</a:t>
             </a:fld>
             <a:endParaRPr lang="es-SV"/>
           </a:p>
@@ -2669,7 +2829,7 @@
           <a:p>
             <a:fld id="{CCA36306-B6FB-4CE0-A609-51C125C56BE3}" type="datetimeFigureOut">
               <a:rPr lang="es-SV" smtClean="0"/>
-              <a:t>29/11/2024</a:t>
+              <a:t>30/11/2024</a:t>
             </a:fld>
             <a:endParaRPr lang="es-SV"/>
           </a:p>
@@ -3295,7 +3455,7 @@
           <a:p>
             <a:fld id="{CCA36306-B6FB-4CE0-A609-51C125C56BE3}" type="datetimeFigureOut">
               <a:rPr lang="es-SV" smtClean="0"/>
-              <a:t>29/11/2024</a:t>
+              <a:t>30/11/2024</a:t>
             </a:fld>
             <a:endParaRPr lang="es-SV"/>
           </a:p>
@@ -3420,7 +3580,7 @@
           <a:p>
             <a:fld id="{CCA36306-B6FB-4CE0-A609-51C125C56BE3}" type="datetimeFigureOut">
               <a:rPr lang="es-SV" smtClean="0"/>
-              <a:t>29/11/2024</a:t>
+              <a:t>30/11/2024</a:t>
             </a:fld>
             <a:endParaRPr lang="es-SV"/>
           </a:p>
@@ -3745,7 +3905,7 @@
           <a:p>
             <a:fld id="{CCA36306-B6FB-4CE0-A609-51C125C56BE3}" type="datetimeFigureOut">
               <a:rPr lang="es-SV" smtClean="0"/>
-              <a:t>29/11/2024</a:t>
+              <a:t>30/11/2024</a:t>
             </a:fld>
             <a:endParaRPr lang="es-SV"/>
           </a:p>
@@ -4046,7 +4206,7 @@
           <a:p>
             <a:fld id="{CCA36306-B6FB-4CE0-A609-51C125C56BE3}" type="datetimeFigureOut">
               <a:rPr lang="es-SV" smtClean="0"/>
-              <a:t>29/11/2024</a:t>
+              <a:t>30/11/2024</a:t>
             </a:fld>
             <a:endParaRPr lang="es-SV"/>
           </a:p>
@@ -4310,7 +4470,7 @@
           <a:p>
             <a:fld id="{CCA36306-B6FB-4CE0-A609-51C125C56BE3}" type="datetimeFigureOut">
               <a:rPr lang="es-SV" smtClean="0"/>
-              <a:t>29/11/2024</a:t>
+              <a:t>30/11/2024</a:t>
             </a:fld>
             <a:endParaRPr lang="es-SV"/>
           </a:p>
@@ -5364,6 +5524,351 @@
         <p:cNvPr id="1" name="">
           <a:extLst>
             <a:ext uri="{FF2B5EF4-FFF2-40B4-BE49-F238E27FC236}">
+              <a16:creationId xmlns:a16="http://schemas.microsoft.com/office/drawing/2014/main" id="{A9CC337B-AA61-8955-DC1F-0E22DFC1105C}"/>
+            </a:ext>
+          </a:extLst>
+        </p:cNvPr>
+        <p:cNvGrpSpPr/>
+        <p:nvPr/>
+      </p:nvGrpSpPr>
+      <p:grpSpPr>
+        <a:xfrm>
+          <a:off x="0" y="0"/>
+          <a:ext cx="0" cy="0"/>
+          <a:chOff x="0" y="0"/>
+          <a:chExt cx="0" cy="0"/>
+        </a:xfrm>
+      </p:grpSpPr>
+      <p:sp>
+        <p:nvSpPr>
+          <p:cNvPr id="2" name="Título 1">
+            <a:extLst>
+              <a:ext uri="{FF2B5EF4-FFF2-40B4-BE49-F238E27FC236}">
+                <a16:creationId xmlns:a16="http://schemas.microsoft.com/office/drawing/2014/main" id="{1D4CC189-F9C8-4DBE-3201-6CCFDD01F2DE}"/>
+              </a:ext>
+            </a:extLst>
+          </p:cNvPr>
+          <p:cNvSpPr>
+            <a:spLocks noGrp="1"/>
+          </p:cNvSpPr>
+          <p:nvPr>
+            <p:ph type="title"/>
+          </p:nvPr>
+        </p:nvSpPr>
+        <p:spPr/>
+        <p:txBody>
+          <a:bodyPr/>
+          <a:lstStyle/>
+          <a:p>
+            <a:r>
+              <a:rPr lang="es-ES" dirty="0">
+                <a:solidFill>
+                  <a:schemeClr val="bg1"/>
+                </a:solidFill>
+              </a:rPr>
+              <a:t>Resultados Caso 1:</a:t>
+            </a:r>
+            <a:endParaRPr lang="es-SV" dirty="0">
+              <a:solidFill>
+                <a:schemeClr val="bg1"/>
+              </a:solidFill>
+            </a:endParaRPr>
+          </a:p>
+        </p:txBody>
+      </p:sp>
+      <p:pic>
+        <p:nvPicPr>
+          <p:cNvPr id="4" name="Imagen 3">
+            <a:extLst>
+              <a:ext uri="{FF2B5EF4-FFF2-40B4-BE49-F238E27FC236}">
+                <a16:creationId xmlns:a16="http://schemas.microsoft.com/office/drawing/2014/main" id="{C38B5DBB-748F-CFFD-742A-E3842A59A972}"/>
+              </a:ext>
+            </a:extLst>
+          </p:cNvPr>
+          <p:cNvPicPr>
+            <a:picLocks noChangeAspect="1"/>
+          </p:cNvPicPr>
+          <p:nvPr/>
+        </p:nvPicPr>
+        <p:blipFill>
+          <a:blip r:embed="rId2"/>
+          <a:stretch>
+            <a:fillRect/>
+          </a:stretch>
+        </p:blipFill>
+        <p:spPr>
+          <a:xfrm>
+            <a:off x="1702427" y="1207008"/>
+            <a:ext cx="8787146" cy="5400000"/>
+          </a:xfrm>
+          <a:prstGeom prst="rect">
+            <a:avLst/>
+          </a:prstGeom>
+        </p:spPr>
+      </p:pic>
+    </p:spTree>
+    <p:extLst>
+      <p:ext uri="{BB962C8B-B14F-4D97-AF65-F5344CB8AC3E}">
+        <p14:creationId xmlns:p14="http://schemas.microsoft.com/office/powerpoint/2010/main" val="2229157394"/>
+      </p:ext>
+    </p:extLst>
+  </p:cSld>
+  <p:clrMapOvr>
+    <a:masterClrMapping/>
+  </p:clrMapOvr>
+  <mc:AlternateContent xmlns:mc="http://schemas.openxmlformats.org/markup-compatibility/2006" xmlns:p14="http://schemas.microsoft.com/office/powerpoint/2010/main">
+    <mc:Choice Requires="p14">
+      <p:transition spd="slow" p14:dur="2000">
+        <p14:prism isContent="1"/>
+      </p:transition>
+    </mc:Choice>
+    <mc:Fallback xmlns="">
+      <p:transition spd="slow">
+        <p:fade/>
+      </p:transition>
+    </mc:Fallback>
+  </mc:AlternateContent>
+</p:sld>
+</file>
+
+<file path=ppt/slides/slide11.xml><?xml version="1.0" encoding="utf-8"?>
+<p:sld xmlns:a="http://schemas.openxmlformats.org/drawingml/2006/main" xmlns:r="http://schemas.openxmlformats.org/officeDocument/2006/relationships" xmlns:p="http://schemas.openxmlformats.org/presentationml/2006/main">
+  <p:cSld>
+    <p:spTree>
+      <p:nvGrpSpPr>
+        <p:cNvPr id="1" name="">
+          <a:extLst>
+            <a:ext uri="{FF2B5EF4-FFF2-40B4-BE49-F238E27FC236}">
+              <a16:creationId xmlns:a16="http://schemas.microsoft.com/office/drawing/2014/main" id="{B8EB8C02-F00F-1267-0254-29D2DF7573A0}"/>
+            </a:ext>
+          </a:extLst>
+        </p:cNvPr>
+        <p:cNvGrpSpPr/>
+        <p:nvPr/>
+      </p:nvGrpSpPr>
+      <p:grpSpPr>
+        <a:xfrm>
+          <a:off x="0" y="0"/>
+          <a:ext cx="0" cy="0"/>
+          <a:chOff x="0" y="0"/>
+          <a:chExt cx="0" cy="0"/>
+        </a:xfrm>
+      </p:grpSpPr>
+      <p:sp>
+        <p:nvSpPr>
+          <p:cNvPr id="2" name="Título 1">
+            <a:extLst>
+              <a:ext uri="{FF2B5EF4-FFF2-40B4-BE49-F238E27FC236}">
+                <a16:creationId xmlns:a16="http://schemas.microsoft.com/office/drawing/2014/main" id="{8624ED2D-F13C-817D-1E3B-E21D99A213D0}"/>
+              </a:ext>
+            </a:extLst>
+          </p:cNvPr>
+          <p:cNvSpPr>
+            <a:spLocks noGrp="1"/>
+          </p:cNvSpPr>
+          <p:nvPr>
+            <p:ph type="title"/>
+          </p:nvPr>
+        </p:nvSpPr>
+        <p:spPr/>
+        <p:txBody>
+          <a:bodyPr/>
+          <a:lstStyle/>
+          <a:p>
+            <a:r>
+              <a:rPr lang="es-ES" dirty="0">
+                <a:solidFill>
+                  <a:schemeClr val="bg1"/>
+                </a:solidFill>
+              </a:rPr>
+              <a:t>Resultados Caso 1:</a:t>
+            </a:r>
+            <a:endParaRPr lang="es-SV" dirty="0">
+              <a:solidFill>
+                <a:schemeClr val="bg1"/>
+              </a:solidFill>
+            </a:endParaRPr>
+          </a:p>
+        </p:txBody>
+      </p:sp>
+      <p:pic>
+        <p:nvPicPr>
+          <p:cNvPr id="5" name="Imagen 4">
+            <a:extLst>
+              <a:ext uri="{FF2B5EF4-FFF2-40B4-BE49-F238E27FC236}">
+                <a16:creationId xmlns:a16="http://schemas.microsoft.com/office/drawing/2014/main" id="{A8571FFC-CF1E-CB3D-AE10-43A8F548A5BC}"/>
+              </a:ext>
+            </a:extLst>
+          </p:cNvPr>
+          <p:cNvPicPr>
+            <a:picLocks noChangeAspect="1"/>
+          </p:cNvPicPr>
+          <p:nvPr/>
+        </p:nvPicPr>
+        <p:blipFill>
+          <a:blip r:embed="rId2"/>
+          <a:stretch>
+            <a:fillRect/>
+          </a:stretch>
+        </p:blipFill>
+        <p:spPr>
+          <a:xfrm>
+            <a:off x="1709793" y="1207008"/>
+            <a:ext cx="8772413" cy="5400000"/>
+          </a:xfrm>
+          <a:prstGeom prst="rect">
+            <a:avLst/>
+          </a:prstGeom>
+        </p:spPr>
+      </p:pic>
+    </p:spTree>
+    <p:extLst>
+      <p:ext uri="{BB962C8B-B14F-4D97-AF65-F5344CB8AC3E}">
+        <p14:creationId xmlns:p14="http://schemas.microsoft.com/office/powerpoint/2010/main" val="2096960177"/>
+      </p:ext>
+    </p:extLst>
+  </p:cSld>
+  <p:clrMapOvr>
+    <a:masterClrMapping/>
+  </p:clrMapOvr>
+  <mc:AlternateContent xmlns:mc="http://schemas.openxmlformats.org/markup-compatibility/2006" xmlns:p14="http://schemas.microsoft.com/office/powerpoint/2010/main">
+    <mc:Choice Requires="p14">
+      <p:transition spd="slow" p14:dur="2000">
+        <p14:prism isContent="1"/>
+      </p:transition>
+    </mc:Choice>
+    <mc:Fallback xmlns="">
+      <p:transition spd="slow">
+        <p:fade/>
+      </p:transition>
+    </mc:Fallback>
+  </mc:AlternateContent>
+</p:sld>
+</file>
+
+<file path=ppt/slides/slide12.xml><?xml version="1.0" encoding="utf-8"?>
+<p:sld xmlns:a="http://schemas.openxmlformats.org/drawingml/2006/main" xmlns:r="http://schemas.openxmlformats.org/officeDocument/2006/relationships" xmlns:p="http://schemas.openxmlformats.org/presentationml/2006/main">
+  <p:cSld>
+    <p:spTree>
+      <p:nvGrpSpPr>
+        <p:cNvPr id="1" name="">
+          <a:extLst>
+            <a:ext uri="{FF2B5EF4-FFF2-40B4-BE49-F238E27FC236}">
+              <a16:creationId xmlns:a16="http://schemas.microsoft.com/office/drawing/2014/main" id="{08E28982-FE07-451F-0F01-8B7DA5D52910}"/>
+            </a:ext>
+          </a:extLst>
+        </p:cNvPr>
+        <p:cNvGrpSpPr/>
+        <p:nvPr/>
+      </p:nvGrpSpPr>
+      <p:grpSpPr>
+        <a:xfrm>
+          <a:off x="0" y="0"/>
+          <a:ext cx="0" cy="0"/>
+          <a:chOff x="0" y="0"/>
+          <a:chExt cx="0" cy="0"/>
+        </a:xfrm>
+      </p:grpSpPr>
+      <p:sp>
+        <p:nvSpPr>
+          <p:cNvPr id="2" name="Título 1">
+            <a:extLst>
+              <a:ext uri="{FF2B5EF4-FFF2-40B4-BE49-F238E27FC236}">
+                <a16:creationId xmlns:a16="http://schemas.microsoft.com/office/drawing/2014/main" id="{706EAA96-ADD6-43D1-89B9-C567C38EDA47}"/>
+              </a:ext>
+            </a:extLst>
+          </p:cNvPr>
+          <p:cNvSpPr>
+            <a:spLocks noGrp="1"/>
+          </p:cNvSpPr>
+          <p:nvPr>
+            <p:ph type="title"/>
+          </p:nvPr>
+        </p:nvSpPr>
+        <p:spPr/>
+        <p:txBody>
+          <a:bodyPr/>
+          <a:lstStyle/>
+          <a:p>
+            <a:r>
+              <a:rPr lang="es-ES" dirty="0">
+                <a:solidFill>
+                  <a:schemeClr val="bg1"/>
+                </a:solidFill>
+              </a:rPr>
+              <a:t>Resultados Caso 2:</a:t>
+            </a:r>
+            <a:endParaRPr lang="es-SV" dirty="0">
+              <a:solidFill>
+                <a:schemeClr val="bg1"/>
+              </a:solidFill>
+            </a:endParaRPr>
+          </a:p>
+        </p:txBody>
+      </p:sp>
+      <p:pic>
+        <p:nvPicPr>
+          <p:cNvPr id="4" name="Imagen 3">
+            <a:extLst>
+              <a:ext uri="{FF2B5EF4-FFF2-40B4-BE49-F238E27FC236}">
+                <a16:creationId xmlns:a16="http://schemas.microsoft.com/office/drawing/2014/main" id="{8C84419F-68C9-CE7A-4DD2-A11C0C7ED404}"/>
+              </a:ext>
+            </a:extLst>
+          </p:cNvPr>
+          <p:cNvPicPr>
+            <a:picLocks noChangeAspect="1"/>
+          </p:cNvPicPr>
+          <p:nvPr/>
+        </p:nvPicPr>
+        <p:blipFill>
+          <a:blip r:embed="rId2"/>
+          <a:stretch>
+            <a:fillRect/>
+          </a:stretch>
+        </p:blipFill>
+        <p:spPr>
+          <a:xfrm>
+            <a:off x="1693297" y="1182624"/>
+            <a:ext cx="8805405" cy="5400000"/>
+          </a:xfrm>
+          <a:prstGeom prst="rect">
+            <a:avLst/>
+          </a:prstGeom>
+        </p:spPr>
+      </p:pic>
+    </p:spTree>
+    <p:extLst>
+      <p:ext uri="{BB962C8B-B14F-4D97-AF65-F5344CB8AC3E}">
+        <p14:creationId xmlns:p14="http://schemas.microsoft.com/office/powerpoint/2010/main" val="3806752404"/>
+      </p:ext>
+    </p:extLst>
+  </p:cSld>
+  <p:clrMapOvr>
+    <a:masterClrMapping/>
+  </p:clrMapOvr>
+  <mc:AlternateContent xmlns:mc="http://schemas.openxmlformats.org/markup-compatibility/2006" xmlns:p14="http://schemas.microsoft.com/office/powerpoint/2010/main">
+    <mc:Choice Requires="p14">
+      <p:transition spd="slow" p14:dur="2000">
+        <p14:prism isContent="1"/>
+      </p:transition>
+    </mc:Choice>
+    <mc:Fallback xmlns="">
+      <p:transition spd="slow">
+        <p:fade/>
+      </p:transition>
+    </mc:Fallback>
+  </mc:AlternateContent>
+</p:sld>
+</file>
+
+<file path=ppt/slides/slide13.xml><?xml version="1.0" encoding="utf-8"?>
+<p:sld xmlns:a="http://schemas.openxmlformats.org/drawingml/2006/main" xmlns:r="http://schemas.openxmlformats.org/officeDocument/2006/relationships" xmlns:p="http://schemas.openxmlformats.org/presentationml/2006/main">
+  <p:cSld>
+    <p:spTree>
+      <p:nvGrpSpPr>
+        <p:cNvPr id="1" name="">
+          <a:extLst>
+            <a:ext uri="{FF2B5EF4-FFF2-40B4-BE49-F238E27FC236}">
               <a16:creationId xmlns:a16="http://schemas.microsoft.com/office/drawing/2014/main" id="{9B979E82-A1AA-0C76-3B95-6148F203D433}"/>
             </a:ext>
           </a:extLst>
@@ -5471,7 +5976,7 @@
 </p:sld>
 </file>
 
-<file path=ppt/slides/slide11.xml><?xml version="1.0" encoding="utf-8"?>
+<file path=ppt/slides/slide14.xml><?xml version="1.0" encoding="utf-8"?>
 <p:sld xmlns:a="http://schemas.openxmlformats.org/drawingml/2006/main" xmlns:r="http://schemas.openxmlformats.org/officeDocument/2006/relationships" xmlns:p="http://schemas.openxmlformats.org/presentationml/2006/main">
   <p:cSld>
     <p:spTree>
@@ -5627,7 +6132,7 @@
 </p:sld>
 </file>
 
-<file path=ppt/slides/slide12.xml><?xml version="1.0" encoding="utf-8"?>
+<file path=ppt/slides/slide15.xml><?xml version="1.0" encoding="utf-8"?>
 <p:sld xmlns:a="http://schemas.openxmlformats.org/drawingml/2006/main" xmlns:r="http://schemas.openxmlformats.org/officeDocument/2006/relationships" xmlns:p="http://schemas.openxmlformats.org/presentationml/2006/main">
   <p:cSld>
     <p:spTree>
@@ -9187,6 +9692,350 @@
   <p:cSld>
     <p:spTree>
       <p:nvGrpSpPr>
+        <p:cNvPr id="1" name="">
+          <a:extLst>
+            <a:ext uri="{FF2B5EF4-FFF2-40B4-BE49-F238E27FC236}">
+              <a16:creationId xmlns:a16="http://schemas.microsoft.com/office/drawing/2014/main" id="{59D8E759-72C6-5998-A234-26791E4A1303}"/>
+            </a:ext>
+          </a:extLst>
+        </p:cNvPr>
+        <p:cNvGrpSpPr/>
+        <p:nvPr/>
+      </p:nvGrpSpPr>
+      <p:grpSpPr>
+        <a:xfrm>
+          <a:off x="0" y="0"/>
+          <a:ext cx="0" cy="0"/>
+          <a:chOff x="0" y="0"/>
+          <a:chExt cx="0" cy="0"/>
+        </a:xfrm>
+      </p:grpSpPr>
+      <p:sp>
+        <p:nvSpPr>
+          <p:cNvPr id="6" name="Título 5">
+            <a:extLst>
+              <a:ext uri="{FF2B5EF4-FFF2-40B4-BE49-F238E27FC236}">
+                <a16:creationId xmlns:a16="http://schemas.microsoft.com/office/drawing/2014/main" id="{0F06C57E-5DA5-DD12-F9BF-AD749ABBD835}"/>
+              </a:ext>
+            </a:extLst>
+          </p:cNvPr>
+          <p:cNvSpPr>
+            <a:spLocks noGrp="1"/>
+          </p:cNvSpPr>
+          <p:nvPr>
+            <p:ph type="title"/>
+          </p:nvPr>
+        </p:nvSpPr>
+        <p:spPr/>
+        <p:txBody>
+          <a:bodyPr/>
+          <a:lstStyle/>
+          <a:p>
+            <a:r>
+              <a:rPr lang="es-ES" dirty="0">
+                <a:solidFill>
+                  <a:schemeClr val="bg1"/>
+                </a:solidFill>
+              </a:rPr>
+              <a:t>Presupuesto de Desarrollo:</a:t>
+            </a:r>
+            <a:endParaRPr lang="es-SV" dirty="0">
+              <a:solidFill>
+                <a:schemeClr val="bg1"/>
+              </a:solidFill>
+            </a:endParaRPr>
+          </a:p>
+        </p:txBody>
+      </p:sp>
+      <p:pic>
+        <p:nvPicPr>
+          <p:cNvPr id="3" name="Imagen 2">
+            <a:extLst>
+              <a:ext uri="{FF2B5EF4-FFF2-40B4-BE49-F238E27FC236}">
+                <a16:creationId xmlns:a16="http://schemas.microsoft.com/office/drawing/2014/main" id="{75B21348-11CE-7E38-4E0A-6AE3C7056B8B}"/>
+              </a:ext>
+            </a:extLst>
+          </p:cNvPr>
+          <p:cNvPicPr>
+            <a:picLocks noChangeAspect="1"/>
+          </p:cNvPicPr>
+          <p:nvPr/>
+        </p:nvPicPr>
+        <p:blipFill>
+          <a:blip r:embed="rId2"/>
+          <a:stretch>
+            <a:fillRect/>
+          </a:stretch>
+        </p:blipFill>
+        <p:spPr>
+          <a:xfrm>
+            <a:off x="2538999" y="1199838"/>
+            <a:ext cx="7114002" cy="5396034"/>
+          </a:xfrm>
+          <a:prstGeom prst="rect">
+            <a:avLst/>
+          </a:prstGeom>
+        </p:spPr>
+      </p:pic>
+    </p:spTree>
+    <p:extLst>
+      <p:ext uri="{BB962C8B-B14F-4D97-AF65-F5344CB8AC3E}">
+        <p14:creationId xmlns:p14="http://schemas.microsoft.com/office/powerpoint/2010/main" val="1348524638"/>
+      </p:ext>
+    </p:extLst>
+  </p:cSld>
+  <p:clrMapOvr>
+    <a:masterClrMapping/>
+  </p:clrMapOvr>
+  <mc:AlternateContent xmlns:mc="http://schemas.openxmlformats.org/markup-compatibility/2006" xmlns:p14="http://schemas.microsoft.com/office/powerpoint/2010/main">
+    <mc:Choice Requires="p14">
+      <p:transition spd="slow" p14:dur="2000">
+        <p14:prism isContent="1"/>
+      </p:transition>
+    </mc:Choice>
+    <mc:Fallback xmlns="">
+      <p:transition spd="slow">
+        <p:fade/>
+      </p:transition>
+    </mc:Fallback>
+  </mc:AlternateContent>
+</p:sld>
+</file>
+
+<file path=ppt/slides/slide7.xml><?xml version="1.0" encoding="utf-8"?>
+<p:sld xmlns:a="http://schemas.openxmlformats.org/drawingml/2006/main" xmlns:r="http://schemas.openxmlformats.org/officeDocument/2006/relationships" xmlns:p="http://schemas.openxmlformats.org/presentationml/2006/main">
+  <p:cSld>
+    <p:spTree>
+      <p:nvGrpSpPr>
+        <p:cNvPr id="1" name="">
+          <a:extLst>
+            <a:ext uri="{FF2B5EF4-FFF2-40B4-BE49-F238E27FC236}">
+              <a16:creationId xmlns:a16="http://schemas.microsoft.com/office/drawing/2014/main" id="{79FA49F5-5BE1-165F-41CF-293B77403190}"/>
+            </a:ext>
+          </a:extLst>
+        </p:cNvPr>
+        <p:cNvGrpSpPr/>
+        <p:nvPr/>
+      </p:nvGrpSpPr>
+      <p:grpSpPr>
+        <a:xfrm>
+          <a:off x="0" y="0"/>
+          <a:ext cx="0" cy="0"/>
+          <a:chOff x="0" y="0"/>
+          <a:chExt cx="0" cy="0"/>
+        </a:xfrm>
+      </p:grpSpPr>
+      <p:sp>
+        <p:nvSpPr>
+          <p:cNvPr id="6" name="Título 5">
+            <a:extLst>
+              <a:ext uri="{FF2B5EF4-FFF2-40B4-BE49-F238E27FC236}">
+                <a16:creationId xmlns:a16="http://schemas.microsoft.com/office/drawing/2014/main" id="{810913B4-2245-8649-141F-2A8F875ED1A1}"/>
+              </a:ext>
+            </a:extLst>
+          </p:cNvPr>
+          <p:cNvSpPr>
+            <a:spLocks noGrp="1"/>
+          </p:cNvSpPr>
+          <p:nvPr>
+            <p:ph type="title"/>
+          </p:nvPr>
+        </p:nvSpPr>
+        <p:spPr/>
+        <p:txBody>
+          <a:bodyPr/>
+          <a:lstStyle/>
+          <a:p>
+            <a:r>
+              <a:rPr lang="es-ES" dirty="0">
+                <a:solidFill>
+                  <a:schemeClr val="bg1"/>
+                </a:solidFill>
+              </a:rPr>
+              <a:t>Presupuesto de Desarrollo:</a:t>
+            </a:r>
+            <a:endParaRPr lang="es-SV" dirty="0">
+              <a:solidFill>
+                <a:schemeClr val="bg1"/>
+              </a:solidFill>
+            </a:endParaRPr>
+          </a:p>
+        </p:txBody>
+      </p:sp>
+      <p:pic>
+        <p:nvPicPr>
+          <p:cNvPr id="16" name="Marcador de contenido 15">
+            <a:extLst>
+              <a:ext uri="{FF2B5EF4-FFF2-40B4-BE49-F238E27FC236}">
+                <a16:creationId xmlns:a16="http://schemas.microsoft.com/office/drawing/2014/main" id="{96012FD7-EB49-349D-F152-FBF7F2267223}"/>
+              </a:ext>
+            </a:extLst>
+          </p:cNvPr>
+          <p:cNvPicPr>
+            <a:picLocks noGrp="1" noChangeAspect="1"/>
+          </p:cNvPicPr>
+          <p:nvPr>
+            <p:ph sz="quarter" idx="4"/>
+          </p:nvPr>
+        </p:nvPicPr>
+        <p:blipFill>
+          <a:blip r:embed="rId2"/>
+          <a:stretch>
+            <a:fillRect/>
+          </a:stretch>
+        </p:blipFill>
+        <p:spPr>
+          <a:xfrm>
+            <a:off x="81565" y="1252732"/>
+            <a:ext cx="11975028" cy="5123684"/>
+          </a:xfrm>
+        </p:spPr>
+      </p:pic>
+    </p:spTree>
+    <p:extLst>
+      <p:ext uri="{BB962C8B-B14F-4D97-AF65-F5344CB8AC3E}">
+        <p14:creationId xmlns:p14="http://schemas.microsoft.com/office/powerpoint/2010/main" val="153741426"/>
+      </p:ext>
+    </p:extLst>
+  </p:cSld>
+  <p:clrMapOvr>
+    <a:masterClrMapping/>
+  </p:clrMapOvr>
+  <mc:AlternateContent xmlns:mc="http://schemas.openxmlformats.org/markup-compatibility/2006" xmlns:p14="http://schemas.microsoft.com/office/powerpoint/2010/main">
+    <mc:Choice Requires="p14">
+      <p:transition spd="slow" p14:dur="2000">
+        <p14:prism isContent="1"/>
+      </p:transition>
+    </mc:Choice>
+    <mc:Fallback xmlns="">
+      <p:transition spd="slow">
+        <p:fade/>
+      </p:transition>
+    </mc:Fallback>
+  </mc:AlternateContent>
+</p:sld>
+</file>
+
+<file path=ppt/slides/slide8.xml><?xml version="1.0" encoding="utf-8"?>
+<p:sld xmlns:a="http://schemas.openxmlformats.org/drawingml/2006/main" xmlns:r="http://schemas.openxmlformats.org/officeDocument/2006/relationships" xmlns:p="http://schemas.openxmlformats.org/presentationml/2006/main">
+  <p:cSld>
+    <p:spTree>
+      <p:nvGrpSpPr>
+        <p:cNvPr id="1" name="">
+          <a:extLst>
+            <a:ext uri="{FF2B5EF4-FFF2-40B4-BE49-F238E27FC236}">
+              <a16:creationId xmlns:a16="http://schemas.microsoft.com/office/drawing/2014/main" id="{03C043DA-DA77-91CD-105E-472BC22C349D}"/>
+            </a:ext>
+          </a:extLst>
+        </p:cNvPr>
+        <p:cNvGrpSpPr/>
+        <p:nvPr/>
+      </p:nvGrpSpPr>
+      <p:grpSpPr>
+        <a:xfrm>
+          <a:off x="0" y="0"/>
+          <a:ext cx="0" cy="0"/>
+          <a:chOff x="0" y="0"/>
+          <a:chExt cx="0" cy="0"/>
+        </a:xfrm>
+      </p:grpSpPr>
+      <p:sp>
+        <p:nvSpPr>
+          <p:cNvPr id="6" name="Título 5">
+            <a:extLst>
+              <a:ext uri="{FF2B5EF4-FFF2-40B4-BE49-F238E27FC236}">
+                <a16:creationId xmlns:a16="http://schemas.microsoft.com/office/drawing/2014/main" id="{BC3F95B8-72E6-D1D3-4A49-015A978EA2E3}"/>
+              </a:ext>
+            </a:extLst>
+          </p:cNvPr>
+          <p:cNvSpPr>
+            <a:spLocks noGrp="1"/>
+          </p:cNvSpPr>
+          <p:nvPr>
+            <p:ph type="title"/>
+          </p:nvPr>
+        </p:nvSpPr>
+        <p:spPr/>
+        <p:txBody>
+          <a:bodyPr/>
+          <a:lstStyle/>
+          <a:p>
+            <a:r>
+              <a:rPr lang="es-ES" dirty="0">
+                <a:solidFill>
+                  <a:schemeClr val="bg1"/>
+                </a:solidFill>
+              </a:rPr>
+              <a:t>Presupuesto de Implementación:</a:t>
+            </a:r>
+            <a:endParaRPr lang="es-SV" dirty="0">
+              <a:solidFill>
+                <a:schemeClr val="bg1"/>
+              </a:solidFill>
+            </a:endParaRPr>
+          </a:p>
+        </p:txBody>
+      </p:sp>
+      <p:pic>
+        <p:nvPicPr>
+          <p:cNvPr id="5" name="Imagen 4">
+            <a:extLst>
+              <a:ext uri="{FF2B5EF4-FFF2-40B4-BE49-F238E27FC236}">
+                <a16:creationId xmlns:a16="http://schemas.microsoft.com/office/drawing/2014/main" id="{0C6056EE-E622-8833-FCC2-F8BC6EF372E2}"/>
+              </a:ext>
+            </a:extLst>
+          </p:cNvPr>
+          <p:cNvPicPr>
+            <a:picLocks noChangeAspect="1"/>
+          </p:cNvPicPr>
+          <p:nvPr/>
+        </p:nvPicPr>
+        <p:blipFill>
+          <a:blip r:embed="rId2"/>
+          <a:stretch>
+            <a:fillRect/>
+          </a:stretch>
+        </p:blipFill>
+        <p:spPr>
+          <a:xfrm>
+            <a:off x="930359" y="1093301"/>
+            <a:ext cx="10331282" cy="5630497"/>
+          </a:xfrm>
+          <a:prstGeom prst="rect">
+            <a:avLst/>
+          </a:prstGeom>
+        </p:spPr>
+      </p:pic>
+    </p:spTree>
+    <p:extLst>
+      <p:ext uri="{BB962C8B-B14F-4D97-AF65-F5344CB8AC3E}">
+        <p14:creationId xmlns:p14="http://schemas.microsoft.com/office/powerpoint/2010/main" val="1442695592"/>
+      </p:ext>
+    </p:extLst>
+  </p:cSld>
+  <p:clrMapOvr>
+    <a:masterClrMapping/>
+  </p:clrMapOvr>
+  <mc:AlternateContent xmlns:mc="http://schemas.openxmlformats.org/markup-compatibility/2006" xmlns:p14="http://schemas.microsoft.com/office/powerpoint/2010/main">
+    <mc:Choice Requires="p14">
+      <p:transition spd="slow" p14:dur="2000">
+        <p14:prism isContent="1"/>
+      </p:transition>
+    </mc:Choice>
+    <mc:Fallback xmlns="">
+      <p:transition spd="slow">
+        <p:fade/>
+      </p:transition>
+    </mc:Fallback>
+  </mc:AlternateContent>
+</p:sld>
+</file>
+
+<file path=ppt/slides/slide9.xml><?xml version="1.0" encoding="utf-8"?>
+<p:sld xmlns:a="http://schemas.openxmlformats.org/drawingml/2006/main" xmlns:r="http://schemas.openxmlformats.org/officeDocument/2006/relationships" xmlns:p="http://schemas.openxmlformats.org/presentationml/2006/main">
+  <p:cSld>
+    <p:spTree>
+      <p:nvGrpSpPr>
         <p:cNvPr id="1" name=""/>
         <p:cNvGrpSpPr/>
         <p:nvPr/>
@@ -10170,351 +11019,6 @@
     <p:extLst>
       <p:ext uri="{BB962C8B-B14F-4D97-AF65-F5344CB8AC3E}">
         <p14:creationId xmlns:p14="http://schemas.microsoft.com/office/powerpoint/2010/main" val="3751097593"/>
-      </p:ext>
-    </p:extLst>
-  </p:cSld>
-  <p:clrMapOvr>
-    <a:masterClrMapping/>
-  </p:clrMapOvr>
-  <mc:AlternateContent xmlns:mc="http://schemas.openxmlformats.org/markup-compatibility/2006" xmlns:p14="http://schemas.microsoft.com/office/powerpoint/2010/main">
-    <mc:Choice Requires="p14">
-      <p:transition spd="slow" p14:dur="2000">
-        <p14:prism isContent="1"/>
-      </p:transition>
-    </mc:Choice>
-    <mc:Fallback xmlns="">
-      <p:transition spd="slow">
-        <p:fade/>
-      </p:transition>
-    </mc:Fallback>
-  </mc:AlternateContent>
-</p:sld>
-</file>
-
-<file path=ppt/slides/slide7.xml><?xml version="1.0" encoding="utf-8"?>
-<p:sld xmlns:a="http://schemas.openxmlformats.org/drawingml/2006/main" xmlns:r="http://schemas.openxmlformats.org/officeDocument/2006/relationships" xmlns:p="http://schemas.openxmlformats.org/presentationml/2006/main">
-  <p:cSld>
-    <p:spTree>
-      <p:nvGrpSpPr>
-        <p:cNvPr id="1" name="">
-          <a:extLst>
-            <a:ext uri="{FF2B5EF4-FFF2-40B4-BE49-F238E27FC236}">
-              <a16:creationId xmlns:a16="http://schemas.microsoft.com/office/drawing/2014/main" id="{A9CC337B-AA61-8955-DC1F-0E22DFC1105C}"/>
-            </a:ext>
-          </a:extLst>
-        </p:cNvPr>
-        <p:cNvGrpSpPr/>
-        <p:nvPr/>
-      </p:nvGrpSpPr>
-      <p:grpSpPr>
-        <a:xfrm>
-          <a:off x="0" y="0"/>
-          <a:ext cx="0" cy="0"/>
-          <a:chOff x="0" y="0"/>
-          <a:chExt cx="0" cy="0"/>
-        </a:xfrm>
-      </p:grpSpPr>
-      <p:sp>
-        <p:nvSpPr>
-          <p:cNvPr id="2" name="Título 1">
-            <a:extLst>
-              <a:ext uri="{FF2B5EF4-FFF2-40B4-BE49-F238E27FC236}">
-                <a16:creationId xmlns:a16="http://schemas.microsoft.com/office/drawing/2014/main" id="{1D4CC189-F9C8-4DBE-3201-6CCFDD01F2DE}"/>
-              </a:ext>
-            </a:extLst>
-          </p:cNvPr>
-          <p:cNvSpPr>
-            <a:spLocks noGrp="1"/>
-          </p:cNvSpPr>
-          <p:nvPr>
-            <p:ph type="title"/>
-          </p:nvPr>
-        </p:nvSpPr>
-        <p:spPr/>
-        <p:txBody>
-          <a:bodyPr/>
-          <a:lstStyle/>
-          <a:p>
-            <a:r>
-              <a:rPr lang="es-ES" dirty="0">
-                <a:solidFill>
-                  <a:schemeClr val="bg1"/>
-                </a:solidFill>
-              </a:rPr>
-              <a:t>Resultados Caso 1:</a:t>
-            </a:r>
-            <a:endParaRPr lang="es-SV" dirty="0">
-              <a:solidFill>
-                <a:schemeClr val="bg1"/>
-              </a:solidFill>
-            </a:endParaRPr>
-          </a:p>
-        </p:txBody>
-      </p:sp>
-      <p:pic>
-        <p:nvPicPr>
-          <p:cNvPr id="4" name="Imagen 3">
-            <a:extLst>
-              <a:ext uri="{FF2B5EF4-FFF2-40B4-BE49-F238E27FC236}">
-                <a16:creationId xmlns:a16="http://schemas.microsoft.com/office/drawing/2014/main" id="{C38B5DBB-748F-CFFD-742A-E3842A59A972}"/>
-              </a:ext>
-            </a:extLst>
-          </p:cNvPr>
-          <p:cNvPicPr>
-            <a:picLocks noChangeAspect="1"/>
-          </p:cNvPicPr>
-          <p:nvPr/>
-        </p:nvPicPr>
-        <p:blipFill>
-          <a:blip r:embed="rId2"/>
-          <a:stretch>
-            <a:fillRect/>
-          </a:stretch>
-        </p:blipFill>
-        <p:spPr>
-          <a:xfrm>
-            <a:off x="1702427" y="1207008"/>
-            <a:ext cx="8787146" cy="5400000"/>
-          </a:xfrm>
-          <a:prstGeom prst="rect">
-            <a:avLst/>
-          </a:prstGeom>
-        </p:spPr>
-      </p:pic>
-    </p:spTree>
-    <p:extLst>
-      <p:ext uri="{BB962C8B-B14F-4D97-AF65-F5344CB8AC3E}">
-        <p14:creationId xmlns:p14="http://schemas.microsoft.com/office/powerpoint/2010/main" val="2229157394"/>
-      </p:ext>
-    </p:extLst>
-  </p:cSld>
-  <p:clrMapOvr>
-    <a:masterClrMapping/>
-  </p:clrMapOvr>
-  <mc:AlternateContent xmlns:mc="http://schemas.openxmlformats.org/markup-compatibility/2006" xmlns:p14="http://schemas.microsoft.com/office/powerpoint/2010/main">
-    <mc:Choice Requires="p14">
-      <p:transition spd="slow" p14:dur="2000">
-        <p14:prism isContent="1"/>
-      </p:transition>
-    </mc:Choice>
-    <mc:Fallback xmlns="">
-      <p:transition spd="slow">
-        <p:fade/>
-      </p:transition>
-    </mc:Fallback>
-  </mc:AlternateContent>
-</p:sld>
-</file>
-
-<file path=ppt/slides/slide8.xml><?xml version="1.0" encoding="utf-8"?>
-<p:sld xmlns:a="http://schemas.openxmlformats.org/drawingml/2006/main" xmlns:r="http://schemas.openxmlformats.org/officeDocument/2006/relationships" xmlns:p="http://schemas.openxmlformats.org/presentationml/2006/main">
-  <p:cSld>
-    <p:spTree>
-      <p:nvGrpSpPr>
-        <p:cNvPr id="1" name="">
-          <a:extLst>
-            <a:ext uri="{FF2B5EF4-FFF2-40B4-BE49-F238E27FC236}">
-              <a16:creationId xmlns:a16="http://schemas.microsoft.com/office/drawing/2014/main" id="{B8EB8C02-F00F-1267-0254-29D2DF7573A0}"/>
-            </a:ext>
-          </a:extLst>
-        </p:cNvPr>
-        <p:cNvGrpSpPr/>
-        <p:nvPr/>
-      </p:nvGrpSpPr>
-      <p:grpSpPr>
-        <a:xfrm>
-          <a:off x="0" y="0"/>
-          <a:ext cx="0" cy="0"/>
-          <a:chOff x="0" y="0"/>
-          <a:chExt cx="0" cy="0"/>
-        </a:xfrm>
-      </p:grpSpPr>
-      <p:sp>
-        <p:nvSpPr>
-          <p:cNvPr id="2" name="Título 1">
-            <a:extLst>
-              <a:ext uri="{FF2B5EF4-FFF2-40B4-BE49-F238E27FC236}">
-                <a16:creationId xmlns:a16="http://schemas.microsoft.com/office/drawing/2014/main" id="{8624ED2D-F13C-817D-1E3B-E21D99A213D0}"/>
-              </a:ext>
-            </a:extLst>
-          </p:cNvPr>
-          <p:cNvSpPr>
-            <a:spLocks noGrp="1"/>
-          </p:cNvSpPr>
-          <p:nvPr>
-            <p:ph type="title"/>
-          </p:nvPr>
-        </p:nvSpPr>
-        <p:spPr/>
-        <p:txBody>
-          <a:bodyPr/>
-          <a:lstStyle/>
-          <a:p>
-            <a:r>
-              <a:rPr lang="es-ES" dirty="0">
-                <a:solidFill>
-                  <a:schemeClr val="bg1"/>
-                </a:solidFill>
-              </a:rPr>
-              <a:t>Resultados Caso 1:</a:t>
-            </a:r>
-            <a:endParaRPr lang="es-SV" dirty="0">
-              <a:solidFill>
-                <a:schemeClr val="bg1"/>
-              </a:solidFill>
-            </a:endParaRPr>
-          </a:p>
-        </p:txBody>
-      </p:sp>
-      <p:pic>
-        <p:nvPicPr>
-          <p:cNvPr id="5" name="Imagen 4">
-            <a:extLst>
-              <a:ext uri="{FF2B5EF4-FFF2-40B4-BE49-F238E27FC236}">
-                <a16:creationId xmlns:a16="http://schemas.microsoft.com/office/drawing/2014/main" id="{A8571FFC-CF1E-CB3D-AE10-43A8F548A5BC}"/>
-              </a:ext>
-            </a:extLst>
-          </p:cNvPr>
-          <p:cNvPicPr>
-            <a:picLocks noChangeAspect="1"/>
-          </p:cNvPicPr>
-          <p:nvPr/>
-        </p:nvPicPr>
-        <p:blipFill>
-          <a:blip r:embed="rId2"/>
-          <a:stretch>
-            <a:fillRect/>
-          </a:stretch>
-        </p:blipFill>
-        <p:spPr>
-          <a:xfrm>
-            <a:off x="1709793" y="1207008"/>
-            <a:ext cx="8772413" cy="5400000"/>
-          </a:xfrm>
-          <a:prstGeom prst="rect">
-            <a:avLst/>
-          </a:prstGeom>
-        </p:spPr>
-      </p:pic>
-    </p:spTree>
-    <p:extLst>
-      <p:ext uri="{BB962C8B-B14F-4D97-AF65-F5344CB8AC3E}">
-        <p14:creationId xmlns:p14="http://schemas.microsoft.com/office/powerpoint/2010/main" val="2096960177"/>
-      </p:ext>
-    </p:extLst>
-  </p:cSld>
-  <p:clrMapOvr>
-    <a:masterClrMapping/>
-  </p:clrMapOvr>
-  <mc:AlternateContent xmlns:mc="http://schemas.openxmlformats.org/markup-compatibility/2006" xmlns:p14="http://schemas.microsoft.com/office/powerpoint/2010/main">
-    <mc:Choice Requires="p14">
-      <p:transition spd="slow" p14:dur="2000">
-        <p14:prism isContent="1"/>
-      </p:transition>
-    </mc:Choice>
-    <mc:Fallback xmlns="">
-      <p:transition spd="slow">
-        <p:fade/>
-      </p:transition>
-    </mc:Fallback>
-  </mc:AlternateContent>
-</p:sld>
-</file>
-
-<file path=ppt/slides/slide9.xml><?xml version="1.0" encoding="utf-8"?>
-<p:sld xmlns:a="http://schemas.openxmlformats.org/drawingml/2006/main" xmlns:r="http://schemas.openxmlformats.org/officeDocument/2006/relationships" xmlns:p="http://schemas.openxmlformats.org/presentationml/2006/main">
-  <p:cSld>
-    <p:spTree>
-      <p:nvGrpSpPr>
-        <p:cNvPr id="1" name="">
-          <a:extLst>
-            <a:ext uri="{FF2B5EF4-FFF2-40B4-BE49-F238E27FC236}">
-              <a16:creationId xmlns:a16="http://schemas.microsoft.com/office/drawing/2014/main" id="{08E28982-FE07-451F-0F01-8B7DA5D52910}"/>
-            </a:ext>
-          </a:extLst>
-        </p:cNvPr>
-        <p:cNvGrpSpPr/>
-        <p:nvPr/>
-      </p:nvGrpSpPr>
-      <p:grpSpPr>
-        <a:xfrm>
-          <a:off x="0" y="0"/>
-          <a:ext cx="0" cy="0"/>
-          <a:chOff x="0" y="0"/>
-          <a:chExt cx="0" cy="0"/>
-        </a:xfrm>
-      </p:grpSpPr>
-      <p:sp>
-        <p:nvSpPr>
-          <p:cNvPr id="2" name="Título 1">
-            <a:extLst>
-              <a:ext uri="{FF2B5EF4-FFF2-40B4-BE49-F238E27FC236}">
-                <a16:creationId xmlns:a16="http://schemas.microsoft.com/office/drawing/2014/main" id="{706EAA96-ADD6-43D1-89B9-C567C38EDA47}"/>
-              </a:ext>
-            </a:extLst>
-          </p:cNvPr>
-          <p:cNvSpPr>
-            <a:spLocks noGrp="1"/>
-          </p:cNvSpPr>
-          <p:nvPr>
-            <p:ph type="title"/>
-          </p:nvPr>
-        </p:nvSpPr>
-        <p:spPr/>
-        <p:txBody>
-          <a:bodyPr/>
-          <a:lstStyle/>
-          <a:p>
-            <a:r>
-              <a:rPr lang="es-ES" dirty="0">
-                <a:solidFill>
-                  <a:schemeClr val="bg1"/>
-                </a:solidFill>
-              </a:rPr>
-              <a:t>Resultados Caso 2:</a:t>
-            </a:r>
-            <a:endParaRPr lang="es-SV" dirty="0">
-              <a:solidFill>
-                <a:schemeClr val="bg1"/>
-              </a:solidFill>
-            </a:endParaRPr>
-          </a:p>
-        </p:txBody>
-      </p:sp>
-      <p:pic>
-        <p:nvPicPr>
-          <p:cNvPr id="4" name="Imagen 3">
-            <a:extLst>
-              <a:ext uri="{FF2B5EF4-FFF2-40B4-BE49-F238E27FC236}">
-                <a16:creationId xmlns:a16="http://schemas.microsoft.com/office/drawing/2014/main" id="{8C84419F-68C9-CE7A-4DD2-A11C0C7ED404}"/>
-              </a:ext>
-            </a:extLst>
-          </p:cNvPr>
-          <p:cNvPicPr>
-            <a:picLocks noChangeAspect="1"/>
-          </p:cNvPicPr>
-          <p:nvPr/>
-        </p:nvPicPr>
-        <p:blipFill>
-          <a:blip r:embed="rId2"/>
-          <a:stretch>
-            <a:fillRect/>
-          </a:stretch>
-        </p:blipFill>
-        <p:spPr>
-          <a:xfrm>
-            <a:off x="1693297" y="1182624"/>
-            <a:ext cx="8805405" cy="5400000"/>
-          </a:xfrm>
-          <a:prstGeom prst="rect">
-            <a:avLst/>
-          </a:prstGeom>
-        </p:spPr>
-      </p:pic>
-    </p:spTree>
-    <p:extLst>
-      <p:ext uri="{BB962C8B-B14F-4D97-AF65-F5344CB8AC3E}">
-        <p14:creationId xmlns:p14="http://schemas.microsoft.com/office/powerpoint/2010/main" val="3806752404"/>
       </p:ext>
     </p:extLst>
   </p:cSld>

--- a/ta5/Defenza 03.pptx
+++ b/ta5/Defenza 03.pptx
@@ -127,15 +127,6 @@
     </p:ext>
   </p:extLst>
 </p:presentation>
-</file>
-
-<file path=ppt/revisionInfo.xml><?xml version="1.0" encoding="utf-8"?>
-<p1510:revInfo xmlns:a="http://schemas.openxmlformats.org/drawingml/2006/main" xmlns:r="http://schemas.openxmlformats.org/officeDocument/2006/relationships" xmlns:p1510="http://schemas.microsoft.com/office/powerpoint/2015/10/main">
-  <p1510:revLst>
-    <p1510:client id="{3AB68099-C4D0-4DB1-B389-15749E438568}" v="50" dt="2024-11-29T19:36:46.434"/>
-    <p1510:client id="{C3903A21-5750-4AC5-B827-88FBAA8DAF17}" v="19" dt="2024-11-30T19:02:52.408"/>
-  </p1510:revLst>
-</p1510:revInfo>
 </file>
 
 <file path=ppt/changesInfos/changesInfo1.xml><?xml version="1.0" encoding="utf-8"?>
@@ -996,6 +987,22 @@
       </pc:sldChg>
     </pc:docChg>
   </pc:docChgLst>
+  <pc:docChgLst>
+    <pc:chgData name="HERNANDEZ ORTIZ JOSE ALFREDO" userId="6190f617-08f2-4ebb-a74d-41f293cab510" providerId="ADAL" clId="{9F68E3AC-D963-42BE-9F00-C6925C929D8B}"/>
+    <pc:docChg chg="modSld">
+      <pc:chgData name="HERNANDEZ ORTIZ JOSE ALFREDO" userId="6190f617-08f2-4ebb-a74d-41f293cab510" providerId="ADAL" clId="{9F68E3AC-D963-42BE-9F00-C6925C929D8B}" dt="2024-12-07T14:53:25.141" v="0" actId="729"/>
+      <pc:docMkLst>
+        <pc:docMk/>
+      </pc:docMkLst>
+      <pc:sldChg chg="mod modShow">
+        <pc:chgData name="HERNANDEZ ORTIZ JOSE ALFREDO" userId="6190f617-08f2-4ebb-a74d-41f293cab510" providerId="ADAL" clId="{9F68E3AC-D963-42BE-9F00-C6925C929D8B}" dt="2024-12-07T14:53:25.141" v="0" actId="729"/>
+        <pc:sldMkLst>
+          <pc:docMk/>
+          <pc:sldMk cId="1442695592" sldId="269"/>
+        </pc:sldMkLst>
+      </pc:sldChg>
+    </pc:docChg>
+  </pc:docChgLst>
 </pc:chgInfo>
 </file>
 
@@ -1081,7 +1088,7 @@
           <a:p>
             <a:fld id="{DD6160E6-041A-49A5-B3F1-4ED3FD019311}" type="datetimeFigureOut">
               <a:rPr lang="es-SV" smtClean="0"/>
-              <a:t>30/11/2024</a:t>
+              <a:t>7/12/2024</a:t>
             </a:fld>
             <a:endParaRPr lang="es-SV"/>
           </a:p>
@@ -1582,7 +1589,7 @@
           <a:p>
             <a:fld id="{CCA36306-B6FB-4CE0-A609-51C125C56BE3}" type="datetimeFigureOut">
               <a:rPr lang="es-SV" smtClean="0"/>
-              <a:t>30/11/2024</a:t>
+              <a:t>7/12/2024</a:t>
             </a:fld>
             <a:endParaRPr lang="es-SV"/>
           </a:p>
@@ -1794,7 +1801,7 @@
           <a:p>
             <a:fld id="{CCA36306-B6FB-4CE0-A609-51C125C56BE3}" type="datetimeFigureOut">
               <a:rPr lang="es-SV" smtClean="0"/>
-              <a:t>30/11/2024</a:t>
+              <a:t>7/12/2024</a:t>
             </a:fld>
             <a:endParaRPr lang="es-SV"/>
           </a:p>
@@ -2016,7 +2023,7 @@
           <a:p>
             <a:fld id="{CCA36306-B6FB-4CE0-A609-51C125C56BE3}" type="datetimeFigureOut">
               <a:rPr lang="es-SV" smtClean="0"/>
-              <a:t>30/11/2024</a:t>
+              <a:t>7/12/2024</a:t>
             </a:fld>
             <a:endParaRPr lang="es-SV"/>
           </a:p>
@@ -2500,7 +2507,7 @@
           <a:p>
             <a:fld id="{CCA36306-B6FB-4CE0-A609-51C125C56BE3}" type="datetimeFigureOut">
               <a:rPr lang="es-SV" smtClean="0"/>
-              <a:t>30/11/2024</a:t>
+              <a:t>7/12/2024</a:t>
             </a:fld>
             <a:endParaRPr lang="es-SV"/>
           </a:p>
@@ -2829,7 +2836,7 @@
           <a:p>
             <a:fld id="{CCA36306-B6FB-4CE0-A609-51C125C56BE3}" type="datetimeFigureOut">
               <a:rPr lang="es-SV" smtClean="0"/>
-              <a:t>30/11/2024</a:t>
+              <a:t>7/12/2024</a:t>
             </a:fld>
             <a:endParaRPr lang="es-SV"/>
           </a:p>
@@ -3455,7 +3462,7 @@
           <a:p>
             <a:fld id="{CCA36306-B6FB-4CE0-A609-51C125C56BE3}" type="datetimeFigureOut">
               <a:rPr lang="es-SV" smtClean="0"/>
-              <a:t>30/11/2024</a:t>
+              <a:t>7/12/2024</a:t>
             </a:fld>
             <a:endParaRPr lang="es-SV"/>
           </a:p>
@@ -3580,7 +3587,7 @@
           <a:p>
             <a:fld id="{CCA36306-B6FB-4CE0-A609-51C125C56BE3}" type="datetimeFigureOut">
               <a:rPr lang="es-SV" smtClean="0"/>
-              <a:t>30/11/2024</a:t>
+              <a:t>7/12/2024</a:t>
             </a:fld>
             <a:endParaRPr lang="es-SV"/>
           </a:p>
@@ -3905,7 +3912,7 @@
           <a:p>
             <a:fld id="{CCA36306-B6FB-4CE0-A609-51C125C56BE3}" type="datetimeFigureOut">
               <a:rPr lang="es-SV" smtClean="0"/>
-              <a:t>30/11/2024</a:t>
+              <a:t>7/12/2024</a:t>
             </a:fld>
             <a:endParaRPr lang="es-SV"/>
           </a:p>
@@ -4206,7 +4213,7 @@
           <a:p>
             <a:fld id="{CCA36306-B6FB-4CE0-A609-51C125C56BE3}" type="datetimeFigureOut">
               <a:rPr lang="es-SV" smtClean="0"/>
-              <a:t>30/11/2024</a:t>
+              <a:t>7/12/2024</a:t>
             </a:fld>
             <a:endParaRPr lang="es-SV"/>
           </a:p>
@@ -4470,7 +4477,7 @@
           <a:p>
             <a:fld id="{CCA36306-B6FB-4CE0-A609-51C125C56BE3}" type="datetimeFigureOut">
               <a:rPr lang="es-SV" smtClean="0"/>
-              <a:t>30/11/2024</a:t>
+              <a:t>7/12/2024</a:t>
             </a:fld>
             <a:endParaRPr lang="es-SV"/>
           </a:p>
@@ -9917,7 +9924,7 @@
 </file>
 
 <file path=ppt/slides/slide8.xml><?xml version="1.0" encoding="utf-8"?>
-<p:sld xmlns:a="http://schemas.openxmlformats.org/drawingml/2006/main" xmlns:r="http://schemas.openxmlformats.org/officeDocument/2006/relationships" xmlns:p="http://schemas.openxmlformats.org/presentationml/2006/main">
+<p:sld xmlns:a="http://schemas.openxmlformats.org/drawingml/2006/main" xmlns:r="http://schemas.openxmlformats.org/officeDocument/2006/relationships" xmlns:p="http://schemas.openxmlformats.org/presentationml/2006/main" show="0">
   <p:cSld>
     <p:spTree>
       <p:nvGrpSpPr>
@@ -10016,13 +10023,13 @@
   <p:clrMapOvr>
     <a:masterClrMapping/>
   </p:clrMapOvr>
-  <mc:AlternateContent xmlns:mc="http://schemas.openxmlformats.org/markup-compatibility/2006" xmlns:p14="http://schemas.microsoft.com/office/powerpoint/2010/main">
-    <mc:Choice Requires="p14">
+  <mc:AlternateContent xmlns:mc="http://schemas.openxmlformats.org/markup-compatibility/2006">
+    <mc:Choice xmlns:p14="http://schemas.microsoft.com/office/powerpoint/2010/main" Requires="p14">
       <p:transition spd="slow" p14:dur="2000">
         <p14:prism isContent="1"/>
       </p:transition>
     </mc:Choice>
-    <mc:Fallback xmlns="">
+    <mc:Fallback>
       <p:transition spd="slow">
         <p:fade/>
       </p:transition>
